--- a/lectures/CSE8AW20-02-11-Lec11-Arrays-Loops-Practice/CSE8AW20-02-11-Lec11-Java-Arrays-Loops-Practice.pptx
+++ b/lectures/CSE8AW20-02-11-Lec11-Arrays-Loops-Practice/CSE8AW20-02-11-Lec11-Java-Arrays-Loops-Practice.pptx
@@ -213,7 +213,7 @@
           <a:p>
             <a:fld id="{FA117288-13F6-A645-A1EE-CC48E87078BF}" type="datetimeFigureOut">
               <a:rPr lang="en-US" smtClean="0"/>
-              <a:t>2/6/20</a:t>
+              <a:t>2/10/20</a:t>
             </a:fld>
             <a:endParaRPr lang="en-US"/>
           </a:p>
@@ -929,7 +929,7 @@
           <a:p>
             <a:fld id="{CBA7B51C-4A64-5C42-B93F-3A6373E2DB39}" type="datetimeFigureOut">
               <a:rPr lang="en-US" smtClean="0"/>
-              <a:t>2/6/20</a:t>
+              <a:t>2/10/20</a:t>
             </a:fld>
             <a:endParaRPr lang="en-US"/>
           </a:p>
@@ -1127,7 +1127,7 @@
           <a:p>
             <a:fld id="{CBA7B51C-4A64-5C42-B93F-3A6373E2DB39}" type="datetimeFigureOut">
               <a:rPr lang="en-US" smtClean="0"/>
-              <a:t>2/6/20</a:t>
+              <a:t>2/10/20</a:t>
             </a:fld>
             <a:endParaRPr lang="en-US"/>
           </a:p>
@@ -1335,7 +1335,7 @@
           <a:p>
             <a:fld id="{CBA7B51C-4A64-5C42-B93F-3A6373E2DB39}" type="datetimeFigureOut">
               <a:rPr lang="en-US" smtClean="0"/>
-              <a:t>2/6/20</a:t>
+              <a:t>2/10/20</a:t>
             </a:fld>
             <a:endParaRPr lang="en-US"/>
           </a:p>
@@ -1892,7 +1892,7 @@
           <a:p>
             <a:fld id="{CBA7B51C-4A64-5C42-B93F-3A6373E2DB39}" type="datetimeFigureOut">
               <a:rPr lang="en-US" smtClean="0"/>
-              <a:t>2/6/20</a:t>
+              <a:t>2/10/20</a:t>
             </a:fld>
             <a:endParaRPr lang="en-US"/>
           </a:p>
@@ -2167,7 +2167,7 @@
           <a:p>
             <a:fld id="{CBA7B51C-4A64-5C42-B93F-3A6373E2DB39}" type="datetimeFigureOut">
               <a:rPr lang="en-US" smtClean="0"/>
-              <a:t>2/6/20</a:t>
+              <a:t>2/10/20</a:t>
             </a:fld>
             <a:endParaRPr lang="en-US"/>
           </a:p>
@@ -2432,7 +2432,7 @@
           <a:p>
             <a:fld id="{CBA7B51C-4A64-5C42-B93F-3A6373E2DB39}" type="datetimeFigureOut">
               <a:rPr lang="en-US" smtClean="0"/>
-              <a:t>2/6/20</a:t>
+              <a:t>2/10/20</a:t>
             </a:fld>
             <a:endParaRPr lang="en-US"/>
           </a:p>
@@ -2844,7 +2844,7 @@
           <a:p>
             <a:fld id="{CBA7B51C-4A64-5C42-B93F-3A6373E2DB39}" type="datetimeFigureOut">
               <a:rPr lang="en-US" smtClean="0"/>
-              <a:t>2/6/20</a:t>
+              <a:t>2/10/20</a:t>
             </a:fld>
             <a:endParaRPr lang="en-US"/>
           </a:p>
@@ -2985,7 +2985,7 @@
           <a:p>
             <a:fld id="{CBA7B51C-4A64-5C42-B93F-3A6373E2DB39}" type="datetimeFigureOut">
               <a:rPr lang="en-US" smtClean="0"/>
-              <a:t>2/6/20</a:t>
+              <a:t>2/10/20</a:t>
             </a:fld>
             <a:endParaRPr lang="en-US"/>
           </a:p>
@@ -3098,7 +3098,7 @@
           <a:p>
             <a:fld id="{CBA7B51C-4A64-5C42-B93F-3A6373E2DB39}" type="datetimeFigureOut">
               <a:rPr lang="en-US" smtClean="0"/>
-              <a:t>2/6/20</a:t>
+              <a:t>2/10/20</a:t>
             </a:fld>
             <a:endParaRPr lang="en-US"/>
           </a:p>
@@ -3409,7 +3409,7 @@
           <a:p>
             <a:fld id="{CBA7B51C-4A64-5C42-B93F-3A6373E2DB39}" type="datetimeFigureOut">
               <a:rPr lang="en-US" smtClean="0"/>
-              <a:t>2/6/20</a:t>
+              <a:t>2/10/20</a:t>
             </a:fld>
             <a:endParaRPr lang="en-US"/>
           </a:p>
@@ -3697,7 +3697,7 @@
           <a:p>
             <a:fld id="{CBA7B51C-4A64-5C42-B93F-3A6373E2DB39}" type="datetimeFigureOut">
               <a:rPr lang="en-US" smtClean="0"/>
-              <a:t>2/6/20</a:t>
+              <a:t>2/10/20</a:t>
             </a:fld>
             <a:endParaRPr lang="en-US"/>
           </a:p>
@@ -3938,7 +3938,7 @@
           <a:p>
             <a:fld id="{CBA7B51C-4A64-5C42-B93F-3A6373E2DB39}" type="datetimeFigureOut">
               <a:rPr lang="en-US" smtClean="0"/>
-              <a:t>2/6/20</a:t>
+              <a:t>2/10/20</a:t>
             </a:fld>
             <a:endParaRPr lang="en-US"/>
           </a:p>
@@ -4683,7 +4683,10 @@
               <a:rPr lang="en-US" dirty="0" err="1"/>
               <a:t>reduceVolume</a:t>
             </a:r>
-            <a:endParaRPr lang="en-US" dirty="0"/>
+            <a:r>
+              <a:rPr lang="en-US" dirty="0"/>
+              <a:t> – size </a:t>
+            </a:r>
           </a:p>
         </p:txBody>
       </p:sp>
@@ -5508,7 +5511,10 @@
               <a:rPr lang="en-US" dirty="0" err="1"/>
               <a:t>reduceVolume</a:t>
             </a:r>
-            <a:endParaRPr lang="en-US" dirty="0"/>
+            <a:r>
+              <a:rPr lang="en-US" dirty="0"/>
+              <a:t> – loop conditions</a:t>
+            </a:r>
           </a:p>
         </p:txBody>
       </p:sp>
@@ -6392,7 +6398,10 @@
               <a:rPr lang="en-US" dirty="0" err="1"/>
               <a:t>reduceVolume</a:t>
             </a:r>
-            <a:endParaRPr lang="en-US" dirty="0"/>
+            <a:r>
+              <a:rPr lang="en-US" dirty="0"/>
+              <a:t> – updated value</a:t>
+            </a:r>
           </a:p>
         </p:txBody>
       </p:sp>
@@ -7230,9 +7239,12 @@
           <a:p>
             <a:r>
               <a:rPr lang="en-US" dirty="0" err="1"/>
-              <a:t>reduceVolume</a:t>
-            </a:r>
-            <a:endParaRPr lang="en-US" dirty="0"/>
+              <a:t>firstHalf</a:t>
+            </a:r>
+            <a:r>
+              <a:rPr lang="en-US" dirty="0"/>
+              <a:t> – size </a:t>
+            </a:r>
           </a:p>
         </p:txBody>
       </p:sp>
@@ -8086,9 +8098,12 @@
           <a:p>
             <a:r>
               <a:rPr lang="en-US" dirty="0" err="1"/>
-              <a:t>reduceVolume</a:t>
-            </a:r>
-            <a:endParaRPr lang="en-US" dirty="0"/>
+              <a:t>firstHalf</a:t>
+            </a:r>
+            <a:r>
+              <a:rPr lang="en-US" dirty="0"/>
+              <a:t> – loop conditions</a:t>
+            </a:r>
           </a:p>
         </p:txBody>
       </p:sp>
@@ -9073,7 +9088,15 @@
           <a:p>
             <a:r>
               <a:rPr lang="en-US" dirty="0" err="1"/>
-              <a:t>reduceVolume</a:t>
+              <a:t>firstHalf</a:t>
+            </a:r>
+            <a:r>
+              <a:rPr lang="en-US" dirty="0"/>
+              <a:t> – </a:t>
+            </a:r>
+            <a:r>
+              <a:rPr lang="en-US"/>
+              <a:t>updated value</a:t>
             </a:r>
             <a:endParaRPr lang="en-US" dirty="0"/>
           </a:p>
